--- a/results/figures/pptx/treatment_timing_diag.pptx
+++ b/results/figures/pptx/treatment_timing_diag.pptx
@@ -2271,8 +2271,8 @@
           </p:nvSpPr>
           <p:spPr>
             <a:xfrm>
-              <a:off x="1145610" y="5622537"/>
-              <a:ext cx="834666" cy="466289"/>
+              <a:off x="1145610" y="5742702"/>
+              <a:ext cx="834666" cy="346124"/>
             </a:xfrm>
             <a:prstGeom prst="rect">
               <a:avLst/>
@@ -2297,8 +2297,8 @@
           </p:nvSpPr>
           <p:spPr>
             <a:xfrm>
-              <a:off x="2073017" y="5156248"/>
-              <a:ext cx="834666" cy="932578"/>
+              <a:off x="2073017" y="5119677"/>
+              <a:ext cx="834666" cy="969149"/>
             </a:xfrm>
             <a:prstGeom prst="rect">
               <a:avLst/>
@@ -2323,8 +2323,8 @@
           </p:nvSpPr>
           <p:spPr>
             <a:xfrm>
-              <a:off x="3000425" y="4823185"/>
-              <a:ext cx="834666" cy="1265641"/>
+              <a:off x="3000425" y="4773552"/>
+              <a:ext cx="834666" cy="1315274"/>
             </a:xfrm>
             <a:prstGeom prst="rect">
               <a:avLst/>
@@ -2349,8 +2349,8 @@
           </p:nvSpPr>
           <p:spPr>
             <a:xfrm>
-              <a:off x="3927832" y="4756572"/>
-              <a:ext cx="834666" cy="1332254"/>
+              <a:off x="3927832" y="4427427"/>
+              <a:ext cx="834666" cy="1661399"/>
             </a:xfrm>
             <a:prstGeom prst="rect">
               <a:avLst/>
@@ -2375,8 +2375,8 @@
           </p:nvSpPr>
           <p:spPr>
             <a:xfrm>
-              <a:off x="4855239" y="3291092"/>
-              <a:ext cx="834666" cy="2797734"/>
+              <a:off x="4855239" y="3042927"/>
+              <a:ext cx="834666" cy="3045899"/>
             </a:xfrm>
             <a:prstGeom prst="rect">
               <a:avLst/>
@@ -2427,8 +2427,8 @@
           </p:nvSpPr>
           <p:spPr>
             <a:xfrm>
-              <a:off x="6710054" y="5622537"/>
-              <a:ext cx="834666" cy="466289"/>
+              <a:off x="6710054" y="5950377"/>
+              <a:ext cx="834666" cy="138449"/>
             </a:xfrm>
             <a:prstGeom prst="rect">
               <a:avLst/>
@@ -2453,8 +2453,8 @@
           </p:nvSpPr>
           <p:spPr>
             <a:xfrm>
-              <a:off x="1512702" y="5039959"/>
-              <a:ext cx="100482" cy="127654"/>
+              <a:off x="1512702" y="5158006"/>
+              <a:ext cx="100482" cy="129771"/>
             </a:xfrm>
             <a:prstGeom prst="rect">
               <a:avLst/>
@@ -2486,7 +2486,7 @@
                   <a:latin typeface="Arial"/>
                   <a:cs typeface="Arial"/>
                 </a:rPr>
-                <a:t>7</a:t>
+                <a:t>5</a:t>
               </a:r>
             </a:p>
           </p:txBody>
@@ -2499,7 +2499,7 @@
           </p:nvSpPr>
           <p:spPr>
             <a:xfrm>
-              <a:off x="1372211" y="5258227"/>
+              <a:off x="1372211" y="5378391"/>
               <a:ext cx="381464" cy="169559"/>
             </a:xfrm>
             <a:prstGeom prst="rect">
@@ -2532,7 +2532,7 @@
                   <a:latin typeface="Arial"/>
                   <a:cs typeface="Arial"/>
                 </a:rPr>
-                <a:t>(4%)</a:t>
+                <a:t>(3%)</a:t>
               </a:r>
             </a:p>
           </p:txBody>
@@ -2545,7 +2545,7 @@
           </p:nvSpPr>
           <p:spPr>
             <a:xfrm>
-              <a:off x="2389868" y="4571465"/>
+              <a:off x="2389868" y="4534893"/>
               <a:ext cx="200965" cy="129860"/>
             </a:xfrm>
             <a:prstGeom prst="rect">
@@ -2591,7 +2591,7 @@
           </p:nvSpPr>
           <p:spPr>
             <a:xfrm>
-              <a:off x="2299618" y="4791938"/>
+              <a:off x="2299618" y="4755366"/>
               <a:ext cx="381464" cy="169559"/>
             </a:xfrm>
             <a:prstGeom prst="rect">
@@ -2637,7 +2637,7 @@
           </p:nvSpPr>
           <p:spPr>
             <a:xfrm>
-              <a:off x="3317275" y="4236196"/>
+              <a:off x="3317275" y="4186563"/>
               <a:ext cx="200965" cy="132065"/>
             </a:xfrm>
             <a:prstGeom prst="rect">
@@ -2683,7 +2683,7 @@
           </p:nvSpPr>
           <p:spPr>
             <a:xfrm>
-              <a:off x="3176784" y="4458874"/>
+              <a:off x="3176784" y="4409241"/>
               <a:ext cx="481947" cy="169559"/>
             </a:xfrm>
             <a:prstGeom prst="rect">
@@ -2729,8 +2729,8 @@
           </p:nvSpPr>
           <p:spPr>
             <a:xfrm>
-              <a:off x="4244682" y="4169583"/>
-              <a:ext cx="200965" cy="132065"/>
+              <a:off x="4244682" y="3842643"/>
+              <a:ext cx="200965" cy="129860"/>
             </a:xfrm>
             <a:prstGeom prst="rect">
               <a:avLst/>
@@ -2762,7 +2762,7 @@
                   <a:latin typeface="Arial"/>
                   <a:cs typeface="Arial"/>
                 </a:rPr>
-                <a:t>20</a:t>
+                <a:t>24</a:t>
               </a:r>
             </a:p>
           </p:txBody>
@@ -2775,7 +2775,7 @@
           </p:nvSpPr>
           <p:spPr>
             <a:xfrm>
-              <a:off x="4104192" y="4392261"/>
+              <a:off x="4104192" y="4063116"/>
               <a:ext cx="481947" cy="169559"/>
             </a:xfrm>
             <a:prstGeom prst="rect">
@@ -2808,7 +2808,7 @@
                   <a:latin typeface="Arial"/>
                   <a:cs typeface="Arial"/>
                 </a:rPr>
-                <a:t>(12%)</a:t>
+                <a:t>(15%)</a:t>
               </a:r>
             </a:p>
           </p:txBody>
@@ -2821,8 +2821,8 @@
           </p:nvSpPr>
           <p:spPr>
             <a:xfrm>
-              <a:off x="5172090" y="2706308"/>
-              <a:ext cx="200965" cy="129860"/>
+              <a:off x="5172090" y="2458672"/>
+              <a:ext cx="200965" cy="129330"/>
             </a:xfrm>
             <a:prstGeom prst="rect">
               <a:avLst/>
@@ -2854,7 +2854,7 @@
                   <a:latin typeface="Arial"/>
                   <a:cs typeface="Arial"/>
                 </a:rPr>
-                <a:t>42</a:t>
+                <a:t>44</a:t>
               </a:r>
             </a:p>
           </p:txBody>
@@ -2867,7 +2867,7 @@
           </p:nvSpPr>
           <p:spPr>
             <a:xfrm>
-              <a:off x="5031599" y="2926781"/>
+              <a:off x="5031599" y="2678616"/>
               <a:ext cx="481947" cy="169559"/>
             </a:xfrm>
             <a:prstGeom prst="rect">
@@ -2900,7 +2900,7 @@
                   <a:latin typeface="Arial"/>
                   <a:cs typeface="Arial"/>
                 </a:rPr>
-                <a:t>(26%)</a:t>
+                <a:t>(28%)</a:t>
               </a:r>
             </a:p>
           </p:txBody>
@@ -2913,8 +2913,8 @@
           </p:nvSpPr>
           <p:spPr>
             <a:xfrm>
-              <a:off x="6099497" y="1971274"/>
-              <a:ext cx="200965" cy="132153"/>
+              <a:off x="6099497" y="1971363"/>
+              <a:ext cx="200965" cy="132065"/>
             </a:xfrm>
             <a:prstGeom prst="rect">
               <a:avLst/>
@@ -2946,7 +2946,7 @@
                   <a:latin typeface="Arial"/>
                   <a:cs typeface="Arial"/>
                 </a:rPr>
-                <a:t>53</a:t>
+                <a:t>51</a:t>
               </a:r>
             </a:p>
           </p:txBody>
@@ -2992,7 +2992,7 @@
                   <a:latin typeface="Arial"/>
                   <a:cs typeface="Arial"/>
                 </a:rPr>
-                <a:t>(33%)</a:t>
+                <a:t>(32%)</a:t>
               </a:r>
             </a:p>
           </p:txBody>
@@ -3005,8 +3005,8 @@
           </p:nvSpPr>
           <p:spPr>
             <a:xfrm>
-              <a:off x="7077146" y="5039959"/>
-              <a:ext cx="100482" cy="127654"/>
+              <a:off x="7077146" y="5365593"/>
+              <a:ext cx="100482" cy="129860"/>
             </a:xfrm>
             <a:prstGeom prst="rect">
               <a:avLst/>
@@ -3038,7 +3038,7 @@
                   <a:latin typeface="Arial"/>
                   <a:cs typeface="Arial"/>
                 </a:rPr>
-                <a:t>7</a:t>
+                <a:t>2</a:t>
               </a:r>
             </a:p>
           </p:txBody>
@@ -3051,7 +3051,7 @@
           </p:nvSpPr>
           <p:spPr>
             <a:xfrm>
-              <a:off x="6936655" y="5258227"/>
+              <a:off x="6936655" y="5586066"/>
               <a:ext cx="381464" cy="169559"/>
             </a:xfrm>
             <a:prstGeom prst="rect">
@@ -3084,7 +3084,7 @@
                   <a:latin typeface="Arial"/>
                   <a:cs typeface="Arial"/>
                 </a:rPr>
-                <a:t>(4%)</a:t>
+                <a:t>(1%)</a:t>
               </a:r>
             </a:p>
           </p:txBody>
@@ -3183,7 +3183,7 @@
           </p:nvSpPr>
           <p:spPr>
             <a:xfrm>
-              <a:off x="754742" y="4699720"/>
+              <a:off x="754742" y="4647474"/>
               <a:ext cx="169515" cy="111397"/>
             </a:xfrm>
             <a:prstGeom prst="rect">
@@ -3229,7 +3229,7 @@
           </p:nvSpPr>
           <p:spPr>
             <a:xfrm>
-              <a:off x="754742" y="3367465"/>
+              <a:off x="754742" y="3262974"/>
               <a:ext cx="169515" cy="111397"/>
             </a:xfrm>
             <a:prstGeom prst="rect">
@@ -3275,7 +3275,7 @@
           </p:nvSpPr>
           <p:spPr>
             <a:xfrm>
-              <a:off x="754742" y="2035210"/>
+              <a:off x="754742" y="1878474"/>
               <a:ext cx="169515" cy="111397"/>
             </a:xfrm>
             <a:prstGeom prst="rect">
@@ -3361,7 +3361,7 @@
           </p:nvSpPr>
           <p:spPr>
             <a:xfrm>
-              <a:off x="962215" y="4756572"/>
+              <a:off x="962215" y="4704327"/>
               <a:ext cx="44283" cy="0"/>
             </a:xfrm>
             <a:custGeom>
@@ -3401,7 +3401,7 @@
           </p:nvSpPr>
           <p:spPr>
             <a:xfrm>
-              <a:off x="962215" y="3424317"/>
+              <a:off x="962215" y="3319827"/>
               <a:ext cx="44283" cy="0"/>
             </a:xfrm>
             <a:custGeom>
@@ -3441,7 +3441,7 @@
           </p:nvSpPr>
           <p:spPr>
             <a:xfrm>
-              <a:off x="962215" y="2092063"/>
+              <a:off x="962215" y="1935327"/>
               <a:ext cx="44283" cy="0"/>
             </a:xfrm>
             <a:custGeom>
@@ -4248,7 +4248,7 @@
                   <a:latin typeface="Arial"/>
                   <a:cs typeface="Arial"/>
                 </a:rPr>
-                <a:t>diagnostic de trouble psychotique? (n = 162)</a:t>
+                <a:t>diagnostic de trouble psychotique? (n = 159)</a:t>
               </a:r>
             </a:p>
           </p:txBody>
